--- a/Meetings/Lab meetings/August_7th_2023.pptx
+++ b/Meetings/Lab meetings/August_7th_2023.pptx
@@ -205,7 +205,7 @@
           <a:p>
             <a:fld id="{3E4A3DE9-240B-47C4-B230-53930B34BF1A}" type="datetimeFigureOut">
               <a:rPr lang="en-US" smtClean="0"/>
-              <a:t>8/18/2023</a:t>
+              <a:t>4/19/2024</a:t>
             </a:fld>
             <a:endParaRPr lang="en-US"/>
           </a:p>
@@ -706,7 +706,7 @@
           <a:p>
             <a:fld id="{7519F93B-2CAF-4E2B-B295-D0A6ECFE28A3}" type="datetimeFigureOut">
               <a:rPr lang="en-US" smtClean="0"/>
-              <a:t>8/18/2023</a:t>
+              <a:t>4/19/2024</a:t>
             </a:fld>
             <a:endParaRPr lang="en-US"/>
           </a:p>
@@ -904,7 +904,7 @@
           <a:p>
             <a:fld id="{7519F93B-2CAF-4E2B-B295-D0A6ECFE28A3}" type="datetimeFigureOut">
               <a:rPr lang="en-US" smtClean="0"/>
-              <a:t>8/18/2023</a:t>
+              <a:t>4/19/2024</a:t>
             </a:fld>
             <a:endParaRPr lang="en-US"/>
           </a:p>
@@ -1112,7 +1112,7 @@
           <a:p>
             <a:fld id="{7519F93B-2CAF-4E2B-B295-D0A6ECFE28A3}" type="datetimeFigureOut">
               <a:rPr lang="en-US" smtClean="0"/>
-              <a:t>8/18/2023</a:t>
+              <a:t>4/19/2024</a:t>
             </a:fld>
             <a:endParaRPr lang="en-US"/>
           </a:p>
@@ -1310,7 +1310,7 @@
           <a:p>
             <a:fld id="{7519F93B-2CAF-4E2B-B295-D0A6ECFE28A3}" type="datetimeFigureOut">
               <a:rPr lang="en-US" smtClean="0"/>
-              <a:t>8/18/2023</a:t>
+              <a:t>4/19/2024</a:t>
             </a:fld>
             <a:endParaRPr lang="en-US"/>
           </a:p>
@@ -1585,7 +1585,7 @@
           <a:p>
             <a:fld id="{7519F93B-2CAF-4E2B-B295-D0A6ECFE28A3}" type="datetimeFigureOut">
               <a:rPr lang="en-US" smtClean="0"/>
-              <a:t>8/18/2023</a:t>
+              <a:t>4/19/2024</a:t>
             </a:fld>
             <a:endParaRPr lang="en-US"/>
           </a:p>
@@ -1850,7 +1850,7 @@
           <a:p>
             <a:fld id="{7519F93B-2CAF-4E2B-B295-D0A6ECFE28A3}" type="datetimeFigureOut">
               <a:rPr lang="en-US" smtClean="0"/>
-              <a:t>8/18/2023</a:t>
+              <a:t>4/19/2024</a:t>
             </a:fld>
             <a:endParaRPr lang="en-US"/>
           </a:p>
@@ -2262,7 +2262,7 @@
           <a:p>
             <a:fld id="{7519F93B-2CAF-4E2B-B295-D0A6ECFE28A3}" type="datetimeFigureOut">
               <a:rPr lang="en-US" smtClean="0"/>
-              <a:t>8/18/2023</a:t>
+              <a:t>4/19/2024</a:t>
             </a:fld>
             <a:endParaRPr lang="en-US"/>
           </a:p>
@@ -2403,7 +2403,7 @@
           <a:p>
             <a:fld id="{7519F93B-2CAF-4E2B-B295-D0A6ECFE28A3}" type="datetimeFigureOut">
               <a:rPr lang="en-US" smtClean="0"/>
-              <a:t>8/18/2023</a:t>
+              <a:t>4/19/2024</a:t>
             </a:fld>
             <a:endParaRPr lang="en-US"/>
           </a:p>
@@ -2516,7 +2516,7 @@
           <a:p>
             <a:fld id="{7519F93B-2CAF-4E2B-B295-D0A6ECFE28A3}" type="datetimeFigureOut">
               <a:rPr lang="en-US" smtClean="0"/>
-              <a:t>8/18/2023</a:t>
+              <a:t>4/19/2024</a:t>
             </a:fld>
             <a:endParaRPr lang="en-US"/>
           </a:p>
@@ -2827,7 +2827,7 @@
           <a:p>
             <a:fld id="{7519F93B-2CAF-4E2B-B295-D0A6ECFE28A3}" type="datetimeFigureOut">
               <a:rPr lang="en-US" smtClean="0"/>
-              <a:t>8/18/2023</a:t>
+              <a:t>4/19/2024</a:t>
             </a:fld>
             <a:endParaRPr lang="en-US"/>
           </a:p>
@@ -3115,7 +3115,7 @@
           <a:p>
             <a:fld id="{7519F93B-2CAF-4E2B-B295-D0A6ECFE28A3}" type="datetimeFigureOut">
               <a:rPr lang="en-US" smtClean="0"/>
-              <a:t>8/18/2023</a:t>
+              <a:t>4/19/2024</a:t>
             </a:fld>
             <a:endParaRPr lang="en-US"/>
           </a:p>
@@ -3356,7 +3356,7 @@
           <a:p>
             <a:fld id="{7519F93B-2CAF-4E2B-B295-D0A6ECFE28A3}" type="datetimeFigureOut">
               <a:rPr lang="en-US" smtClean="0"/>
-              <a:t>8/18/2023</a:t>
+              <a:t>4/19/2024</a:t>
             </a:fld>
             <a:endParaRPr lang="en-US"/>
           </a:p>
@@ -4057,35 +4057,6 @@
       </p:sp>
       <p:pic>
         <p:nvPicPr>
-          <p:cNvPr id="17" name="Content Placeholder 16">
-            <a:extLst>
-              <a:ext uri="{FF2B5EF4-FFF2-40B4-BE49-F238E27FC236}">
-                <a16:creationId xmlns:a16="http://schemas.microsoft.com/office/drawing/2014/main" id="{F24B9302-03E2-F51C-635D-7D00AF02234E}"/>
-              </a:ext>
-            </a:extLst>
-          </p:cNvPr>
-          <p:cNvPicPr>
-            <a:picLocks noGrp="1" noChangeAspect="1"/>
-          </p:cNvPicPr>
-          <p:nvPr>
-            <p:ph idx="1"/>
-          </p:nvPr>
-        </p:nvPicPr>
-        <p:blipFill>
-          <a:blip r:embed="rId3"/>
-          <a:stretch>
-            <a:fillRect/>
-          </a:stretch>
-        </p:blipFill>
-        <p:spPr>
-          <a:xfrm>
-            <a:off x="4375015" y="2614954"/>
-            <a:ext cx="1450521" cy="1944315"/>
-          </a:xfrm>
-        </p:spPr>
-      </p:pic>
-      <p:pic>
-        <p:nvPicPr>
           <p:cNvPr id="15" name="Picture 14">
             <a:extLst>
               <a:ext uri="{FF2B5EF4-FFF2-40B4-BE49-F238E27FC236}">
@@ -4099,7 +4070,7 @@
           <p:nvPr/>
         </p:nvPicPr>
         <p:blipFill>
-          <a:blip r:embed="rId4"/>
+          <a:blip r:embed="rId3"/>
           <a:stretch>
             <a:fillRect/>
           </a:stretch>
@@ -4203,7 +4174,7 @@
           <p:nvPr/>
         </p:nvPicPr>
         <p:blipFill>
-          <a:blip r:embed="rId5"/>
+          <a:blip r:embed="rId4"/>
           <a:stretch>
             <a:fillRect/>
           </a:stretch>
@@ -4233,7 +4204,7 @@
           <p:nvPr/>
         </p:nvPicPr>
         <p:blipFill>
-          <a:blip r:embed="rId6">
+          <a:blip r:embed="rId5">
             <a:extLst>
               <a:ext uri="{28A0092B-C50C-407E-A947-70E740481C1C}">
                 <a14:useLocalDpi xmlns:a14="http://schemas.microsoft.com/office/drawing/2010/main" val="0"/>
@@ -4289,6 +4260,61 @@
           </a:p>
         </p:txBody>
       </p:sp>
+      <p:sp>
+        <p:nvSpPr>
+          <p:cNvPr id="4" name="Content Placeholder 3">
+            <a:extLst>
+              <a:ext uri="{FF2B5EF4-FFF2-40B4-BE49-F238E27FC236}">
+                <a16:creationId xmlns:a16="http://schemas.microsoft.com/office/drawing/2014/main" id="{B685DC00-410E-9D3A-3166-5CE9C05D3299}"/>
+              </a:ext>
+            </a:extLst>
+          </p:cNvPr>
+          <p:cNvSpPr>
+            <a:spLocks noGrp="1"/>
+          </p:cNvSpPr>
+          <p:nvPr>
+            <p:ph idx="1"/>
+          </p:nvPr>
+        </p:nvSpPr>
+        <p:spPr/>
+        <p:txBody>
+          <a:bodyPr/>
+          <a:lstStyle/>
+          <a:p>
+            <a:endParaRPr lang="en-US"/>
+          </a:p>
+        </p:txBody>
+      </p:sp>
+      <p:pic>
+        <p:nvPicPr>
+          <p:cNvPr id="9" name="Picture 8">
+            <a:extLst>
+              <a:ext uri="{FF2B5EF4-FFF2-40B4-BE49-F238E27FC236}">
+                <a16:creationId xmlns:a16="http://schemas.microsoft.com/office/drawing/2014/main" id="{F6BD346E-019F-E169-C7BC-9F055F9F3A29}"/>
+              </a:ext>
+            </a:extLst>
+          </p:cNvPr>
+          <p:cNvPicPr>
+            <a:picLocks noChangeAspect="1"/>
+          </p:cNvPicPr>
+          <p:nvPr/>
+        </p:nvPicPr>
+        <p:blipFill>
+          <a:blip r:embed="rId6"/>
+          <a:stretch>
+            <a:fillRect/>
+          </a:stretch>
+        </p:blipFill>
+        <p:spPr>
+          <a:xfrm>
+            <a:off x="4581163" y="2598452"/>
+            <a:ext cx="1038225" cy="952500"/>
+          </a:xfrm>
+          <a:prstGeom prst="rect">
+            <a:avLst/>
+          </a:prstGeom>
+        </p:spPr>
+      </p:pic>
     </p:spTree>
     <p:extLst>
       <p:ext uri="{BB962C8B-B14F-4D97-AF65-F5344CB8AC3E}">
